--- a/Club Meetings 2026/2026 - 01 Jan 11th/Presentation1.pptx
+++ b/Club Meetings 2026/2026 - 01 Jan 11th/Presentation1.pptx
@@ -283,7 +283,7 @@
           <a:p>
             <a:fld id="{0A23BC7A-D8AA-4AC4-8244-2AD3B5F6B784}" type="datetimeFigureOut">
               <a:rPr lang="en-SG" smtClean="0"/>
-              <a:t>10/1/2026</a:t>
+              <a:t>12/1/2026</a:t>
             </a:fld>
             <a:endParaRPr lang="en-SG"/>
           </a:p>
@@ -483,7 +483,7 @@
           <a:p>
             <a:fld id="{0A23BC7A-D8AA-4AC4-8244-2AD3B5F6B784}" type="datetimeFigureOut">
               <a:rPr lang="en-SG" smtClean="0"/>
-              <a:t>10/1/2026</a:t>
+              <a:t>12/1/2026</a:t>
             </a:fld>
             <a:endParaRPr lang="en-SG"/>
           </a:p>
@@ -693,7 +693,7 @@
           <a:p>
             <a:fld id="{0A23BC7A-D8AA-4AC4-8244-2AD3B5F6B784}" type="datetimeFigureOut">
               <a:rPr lang="en-SG" smtClean="0"/>
-              <a:t>10/1/2026</a:t>
+              <a:t>12/1/2026</a:t>
             </a:fld>
             <a:endParaRPr lang="en-SG"/>
           </a:p>
@@ -893,7 +893,7 @@
           <a:p>
             <a:fld id="{0A23BC7A-D8AA-4AC4-8244-2AD3B5F6B784}" type="datetimeFigureOut">
               <a:rPr lang="en-SG" smtClean="0"/>
-              <a:t>10/1/2026</a:t>
+              <a:t>12/1/2026</a:t>
             </a:fld>
             <a:endParaRPr lang="en-SG"/>
           </a:p>
@@ -1169,7 +1169,7 @@
           <a:p>
             <a:fld id="{0A23BC7A-D8AA-4AC4-8244-2AD3B5F6B784}" type="datetimeFigureOut">
               <a:rPr lang="en-SG" smtClean="0"/>
-              <a:t>10/1/2026</a:t>
+              <a:t>12/1/2026</a:t>
             </a:fld>
             <a:endParaRPr lang="en-SG"/>
           </a:p>
@@ -1437,7 +1437,7 @@
           <a:p>
             <a:fld id="{0A23BC7A-D8AA-4AC4-8244-2AD3B5F6B784}" type="datetimeFigureOut">
               <a:rPr lang="en-SG" smtClean="0"/>
-              <a:t>10/1/2026</a:t>
+              <a:t>12/1/2026</a:t>
             </a:fld>
             <a:endParaRPr lang="en-SG"/>
           </a:p>
@@ -1852,7 +1852,7 @@
           <a:p>
             <a:fld id="{0A23BC7A-D8AA-4AC4-8244-2AD3B5F6B784}" type="datetimeFigureOut">
               <a:rPr lang="en-SG" smtClean="0"/>
-              <a:t>10/1/2026</a:t>
+              <a:t>12/1/2026</a:t>
             </a:fld>
             <a:endParaRPr lang="en-SG"/>
           </a:p>
@@ -1994,7 +1994,7 @@
           <a:p>
             <a:fld id="{0A23BC7A-D8AA-4AC4-8244-2AD3B5F6B784}" type="datetimeFigureOut">
               <a:rPr lang="en-SG" smtClean="0"/>
-              <a:t>10/1/2026</a:t>
+              <a:t>12/1/2026</a:t>
             </a:fld>
             <a:endParaRPr lang="en-SG"/>
           </a:p>
@@ -2107,7 +2107,7 @@
           <a:p>
             <a:fld id="{0A23BC7A-D8AA-4AC4-8244-2AD3B5F6B784}" type="datetimeFigureOut">
               <a:rPr lang="en-SG" smtClean="0"/>
-              <a:t>10/1/2026</a:t>
+              <a:t>12/1/2026</a:t>
             </a:fld>
             <a:endParaRPr lang="en-SG"/>
           </a:p>
@@ -2420,7 +2420,7 @@
           <a:p>
             <a:fld id="{0A23BC7A-D8AA-4AC4-8244-2AD3B5F6B784}" type="datetimeFigureOut">
               <a:rPr lang="en-SG" smtClean="0"/>
-              <a:t>10/1/2026</a:t>
+              <a:t>12/1/2026</a:t>
             </a:fld>
             <a:endParaRPr lang="en-SG"/>
           </a:p>
@@ -2709,7 +2709,7 @@
           <a:p>
             <a:fld id="{0A23BC7A-D8AA-4AC4-8244-2AD3B5F6B784}" type="datetimeFigureOut">
               <a:rPr lang="en-SG" smtClean="0"/>
-              <a:t>10/1/2026</a:t>
+              <a:t>12/1/2026</a:t>
             </a:fld>
             <a:endParaRPr lang="en-SG"/>
           </a:p>
@@ -2952,7 +2952,7 @@
           <a:p>
             <a:fld id="{0A23BC7A-D8AA-4AC4-8244-2AD3B5F6B784}" type="datetimeFigureOut">
               <a:rPr lang="en-SG" smtClean="0"/>
-              <a:t>10/1/2026</a:t>
+              <a:t>12/1/2026</a:t>
             </a:fld>
             <a:endParaRPr lang="en-SG"/>
           </a:p>
@@ -3369,42 +3369,48 @@
           <a:chExt cx="0" cy="0"/>
         </a:xfrm>
       </p:grpSpPr>
-      <p:pic>
-        <p:nvPicPr>
-          <p:cNvPr id="8" name="Picture 7">
-            <a:extLst>
-              <a:ext uri="{FF2B5EF4-FFF2-40B4-BE49-F238E27FC236}">
-                <a16:creationId xmlns:a16="http://schemas.microsoft.com/office/drawing/2014/main" id="{46EEBCAA-A842-DCF8-0F2E-3E2584C2345C}"/>
-              </a:ext>
-            </a:extLst>
-          </p:cNvPr>
-          <p:cNvPicPr>
-            <a:picLocks noChangeAspect="1"/>
-          </p:cNvPicPr>
+      <p:sp>
+        <p:nvSpPr>
+          <p:cNvPr id="14" name="TextBox 13">
+            <a:extLst>
+              <a:ext uri="{FF2B5EF4-FFF2-40B4-BE49-F238E27FC236}">
+                <a16:creationId xmlns:a16="http://schemas.microsoft.com/office/drawing/2014/main" id="{63869554-9AF3-F23A-5C72-E1581BC8E6A3}"/>
+              </a:ext>
+            </a:extLst>
+          </p:cNvPr>
+          <p:cNvSpPr txBox="1"/>
           <p:nvPr/>
-        </p:nvPicPr>
-        <p:blipFill>
-          <a:blip r:embed="rId2"/>
-          <a:stretch>
-            <a:fillRect/>
-          </a:stretch>
-        </p:blipFill>
+        </p:nvSpPr>
         <p:spPr>
           <a:xfrm>
-            <a:off x="2921642" y="4812699"/>
-            <a:ext cx="1076325" cy="390525"/>
+            <a:off x="1019242" y="533787"/>
+            <a:ext cx="4701928" cy="369332"/>
           </a:xfrm>
           <a:prstGeom prst="rect">
             <a:avLst/>
           </a:prstGeom>
+          <a:noFill/>
         </p:spPr>
-      </p:pic>
+        <p:txBody>
+          <a:bodyPr wrap="none" rtlCol="0">
+            <a:spAutoFit/>
+          </a:bodyPr>
+          <a:lstStyle/>
+          <a:p>
+            <a:r>
+              <a:rPr lang="en-US" b="1" dirty="0"/>
+              <a:t>DATE TIME AND DATA LOGGING PRESENTATION</a:t>
+            </a:r>
+            <a:endParaRPr lang="en-SG" b="1" dirty="0"/>
+          </a:p>
+        </p:txBody>
+      </p:sp>
       <p:grpSp>
         <p:nvGrpSpPr>
-          <p:cNvPr id="15" name="Group 14">
-            <a:extLst>
-              <a:ext uri="{FF2B5EF4-FFF2-40B4-BE49-F238E27FC236}">
-                <a16:creationId xmlns:a16="http://schemas.microsoft.com/office/drawing/2014/main" id="{4CD69FC6-22D4-3EBD-2602-BDF60333A8FF}"/>
+          <p:cNvPr id="10" name="Group 9">
+            <a:extLst>
+              <a:ext uri="{FF2B5EF4-FFF2-40B4-BE49-F238E27FC236}">
+                <a16:creationId xmlns:a16="http://schemas.microsoft.com/office/drawing/2014/main" id="{CD54DB63-F4F9-6E3A-6C12-F921933EF8EB}"/>
               </a:ext>
             </a:extLst>
           </p:cNvPr>
@@ -3413,184 +3419,235 @@
         </p:nvGrpSpPr>
         <p:grpSpPr>
           <a:xfrm>
-            <a:off x="919439" y="1150462"/>
+            <a:off x="919439" y="1097194"/>
             <a:ext cx="9039225" cy="5534025"/>
             <a:chOff x="919439" y="1150462"/>
             <a:chExt cx="9039225" cy="5534025"/>
           </a:xfrm>
         </p:grpSpPr>
-        <p:pic>
-          <p:nvPicPr>
-            <p:cNvPr id="11" name="Picture 10">
+        <p:grpSp>
+          <p:nvGrpSpPr>
+            <p:cNvPr id="15" name="Group 14">
               <a:extLst>
                 <a:ext uri="{FF2B5EF4-FFF2-40B4-BE49-F238E27FC236}">
-                  <a16:creationId xmlns:a16="http://schemas.microsoft.com/office/drawing/2014/main" id="{0461ACAC-0E35-D789-1D42-B58E198DEB38}"/>
+                  <a16:creationId xmlns:a16="http://schemas.microsoft.com/office/drawing/2014/main" id="{4CD69FC6-22D4-3EBD-2602-BDF60333A8FF}"/>
                 </a:ext>
               </a:extLst>
             </p:cNvPr>
-            <p:cNvPicPr>
-              <a:picLocks noChangeAspect="1"/>
-            </p:cNvPicPr>
+            <p:cNvGrpSpPr/>
             <p:nvPr/>
-          </p:nvPicPr>
-          <p:blipFill>
-            <a:blip r:embed="rId3"/>
-            <a:stretch>
-              <a:fillRect/>
-            </a:stretch>
-          </p:blipFill>
-          <p:spPr>
+          </p:nvGrpSpPr>
+          <p:grpSpPr>
             <a:xfrm>
               <a:off x="919439" y="1150462"/>
               <a:ext cx="9039225" cy="5534025"/>
+              <a:chOff x="919439" y="1150462"/>
+              <a:chExt cx="9039225" cy="5534025"/>
             </a:xfrm>
-            <a:prstGeom prst="rect">
-              <a:avLst/>
-            </a:prstGeom>
-          </p:spPr>
-        </p:pic>
+          </p:grpSpPr>
+          <p:pic>
+            <p:nvPicPr>
+              <p:cNvPr id="11" name="Picture 10">
+                <a:extLst>
+                  <a:ext uri="{FF2B5EF4-FFF2-40B4-BE49-F238E27FC236}">
+                    <a16:creationId xmlns:a16="http://schemas.microsoft.com/office/drawing/2014/main" id="{0461ACAC-0E35-D789-1D42-B58E198DEB38}"/>
+                  </a:ext>
+                </a:extLst>
+              </p:cNvPr>
+              <p:cNvPicPr>
+                <a:picLocks noChangeAspect="1"/>
+              </p:cNvPicPr>
+              <p:nvPr/>
+            </p:nvPicPr>
+            <p:blipFill>
+              <a:blip r:embed="rId2"/>
+              <a:stretch>
+                <a:fillRect/>
+              </a:stretch>
+            </p:blipFill>
+            <p:spPr>
+              <a:xfrm>
+                <a:off x="919439" y="1150462"/>
+                <a:ext cx="9039225" cy="5534025"/>
+              </a:xfrm>
+              <a:prstGeom prst="rect">
+                <a:avLst/>
+              </a:prstGeom>
+            </p:spPr>
+          </p:pic>
+          <p:pic>
+            <p:nvPicPr>
+              <p:cNvPr id="4" name="Picture 3">
+                <a:extLst>
+                  <a:ext uri="{FF2B5EF4-FFF2-40B4-BE49-F238E27FC236}">
+                    <a16:creationId xmlns:a16="http://schemas.microsoft.com/office/drawing/2014/main" id="{F4CE59FE-0D53-B6D2-D28C-4780771ED71B}"/>
+                  </a:ext>
+                </a:extLst>
+              </p:cNvPr>
+              <p:cNvPicPr>
+                <a:picLocks noChangeAspect="1"/>
+              </p:cNvPicPr>
+              <p:nvPr/>
+            </p:nvPicPr>
+            <p:blipFill>
+              <a:blip r:embed="rId3"/>
+              <a:stretch>
+                <a:fillRect/>
+              </a:stretch>
+            </p:blipFill>
+            <p:spPr>
+              <a:xfrm rot="16200000">
+                <a:off x="3013378" y="221347"/>
+                <a:ext cx="230880" cy="3389374"/>
+              </a:xfrm>
+              <a:prstGeom prst="rect">
+                <a:avLst/>
+              </a:prstGeom>
+            </p:spPr>
+          </p:pic>
+          <p:pic>
+            <p:nvPicPr>
+              <p:cNvPr id="5" name="Picture 4">
+                <a:extLst>
+                  <a:ext uri="{FF2B5EF4-FFF2-40B4-BE49-F238E27FC236}">
+                    <a16:creationId xmlns:a16="http://schemas.microsoft.com/office/drawing/2014/main" id="{51DB507E-B097-9BD8-5F8D-2FE08E6C7FCB}"/>
+                  </a:ext>
+                </a:extLst>
+              </p:cNvPr>
+              <p:cNvPicPr>
+                <a:picLocks noChangeAspect="1"/>
+              </p:cNvPicPr>
+              <p:nvPr/>
+            </p:nvPicPr>
+            <p:blipFill>
+              <a:blip r:embed="rId4"/>
+              <a:stretch>
+                <a:fillRect/>
+              </a:stretch>
+            </p:blipFill>
+            <p:spPr>
+              <a:xfrm rot="16200000">
+                <a:off x="3026884" y="2503601"/>
+                <a:ext cx="230880" cy="3389373"/>
+              </a:xfrm>
+              <a:prstGeom prst="rect">
+                <a:avLst/>
+              </a:prstGeom>
+            </p:spPr>
+          </p:pic>
+          <p:sp>
+            <p:nvSpPr>
+              <p:cNvPr id="3" name="TextBox 2">
+                <a:extLst>
+                  <a:ext uri="{FF2B5EF4-FFF2-40B4-BE49-F238E27FC236}">
+                    <a16:creationId xmlns:a16="http://schemas.microsoft.com/office/drawing/2014/main" id="{3AF7F117-0FCB-F08F-BA94-EA426EA4950D}"/>
+                  </a:ext>
+                </a:extLst>
+              </p:cNvPr>
+              <p:cNvSpPr txBox="1"/>
+              <p:nvPr/>
+            </p:nvSpPr>
+            <p:spPr>
+              <a:xfrm>
+                <a:off x="7762138" y="5414714"/>
+                <a:ext cx="1307794" cy="369332"/>
+              </a:xfrm>
+              <a:prstGeom prst="rect">
+                <a:avLst/>
+              </a:prstGeom>
+              <a:solidFill>
+                <a:srgbClr val="FFC000"/>
+              </a:solidFill>
+            </p:spPr>
+            <p:txBody>
+              <a:bodyPr wrap="none" rtlCol="0">
+                <a:spAutoFit/>
+              </a:bodyPr>
+              <a:lstStyle/>
+              <a:p>
+                <a:r>
+                  <a:rPr lang="en-US" dirty="0"/>
+                  <a:t>DS3231 RTC</a:t>
+                </a:r>
+                <a:endParaRPr lang="en-SG" dirty="0"/>
+              </a:p>
+            </p:txBody>
+          </p:sp>
+          <p:sp>
+            <p:nvSpPr>
+              <p:cNvPr id="6" name="TextBox 5">
+                <a:extLst>
+                  <a:ext uri="{FF2B5EF4-FFF2-40B4-BE49-F238E27FC236}">
+                    <a16:creationId xmlns:a16="http://schemas.microsoft.com/office/drawing/2014/main" id="{DBE11CF0-09B3-08BF-CED6-A385659A5E86}"/>
+                  </a:ext>
+                </a:extLst>
+              </p:cNvPr>
+              <p:cNvSpPr txBox="1"/>
+              <p:nvPr/>
+            </p:nvSpPr>
+            <p:spPr>
+              <a:xfrm>
+                <a:off x="4652393" y="6180435"/>
+                <a:ext cx="1573316" cy="369332"/>
+              </a:xfrm>
+              <a:prstGeom prst="rect">
+                <a:avLst/>
+              </a:prstGeom>
+              <a:solidFill>
+                <a:srgbClr val="FFC000"/>
+              </a:solidFill>
+            </p:spPr>
+            <p:txBody>
+              <a:bodyPr wrap="none" rtlCol="0">
+                <a:spAutoFit/>
+              </a:bodyPr>
+              <a:lstStyle/>
+              <a:p>
+                <a:r>
+                  <a:rPr lang="en-US" dirty="0"/>
+                  <a:t>SD Card Writer</a:t>
+                </a:r>
+                <a:endParaRPr lang="en-SG" dirty="0"/>
+              </a:p>
+            </p:txBody>
+          </p:sp>
+          <p:pic>
+            <p:nvPicPr>
+              <p:cNvPr id="13" name="Picture 12">
+                <a:extLst>
+                  <a:ext uri="{FF2B5EF4-FFF2-40B4-BE49-F238E27FC236}">
+                    <a16:creationId xmlns:a16="http://schemas.microsoft.com/office/drawing/2014/main" id="{A07DFC81-ACD7-6B3D-5992-B2EDE2390DCC}"/>
+                  </a:ext>
+                </a:extLst>
+              </p:cNvPr>
+              <p:cNvPicPr>
+                <a:picLocks noChangeAspect="1"/>
+              </p:cNvPicPr>
+              <p:nvPr/>
+            </p:nvPicPr>
+            <p:blipFill>
+              <a:blip r:embed="rId5"/>
+              <a:stretch>
+                <a:fillRect/>
+              </a:stretch>
+            </p:blipFill>
+            <p:spPr>
+              <a:xfrm>
+                <a:off x="6086272" y="2849191"/>
+                <a:ext cx="714375" cy="361950"/>
+              </a:xfrm>
+              <a:prstGeom prst="rect">
+                <a:avLst/>
+              </a:prstGeom>
+            </p:spPr>
+          </p:pic>
+        </p:grpSp>
         <p:pic>
           <p:nvPicPr>
-            <p:cNvPr id="4" name="Picture 3">
+            <p:cNvPr id="9" name="Picture 8">
               <a:extLst>
                 <a:ext uri="{FF2B5EF4-FFF2-40B4-BE49-F238E27FC236}">
-                  <a16:creationId xmlns:a16="http://schemas.microsoft.com/office/drawing/2014/main" id="{F4CE59FE-0D53-B6D2-D28C-4780771ED71B}"/>
-                </a:ext>
-              </a:extLst>
-            </p:cNvPr>
-            <p:cNvPicPr>
-              <a:picLocks noChangeAspect="1"/>
-            </p:cNvPicPr>
-            <p:nvPr/>
-          </p:nvPicPr>
-          <p:blipFill>
-            <a:blip r:embed="rId4"/>
-            <a:stretch>
-              <a:fillRect/>
-            </a:stretch>
-          </p:blipFill>
-          <p:spPr>
-            <a:xfrm rot="16200000">
-              <a:off x="3013378" y="221347"/>
-              <a:ext cx="230880" cy="3389374"/>
-            </a:xfrm>
-            <a:prstGeom prst="rect">
-              <a:avLst/>
-            </a:prstGeom>
-          </p:spPr>
-        </p:pic>
-        <p:pic>
-          <p:nvPicPr>
-            <p:cNvPr id="5" name="Picture 4">
-              <a:extLst>
-                <a:ext uri="{FF2B5EF4-FFF2-40B4-BE49-F238E27FC236}">
-                  <a16:creationId xmlns:a16="http://schemas.microsoft.com/office/drawing/2014/main" id="{51DB507E-B097-9BD8-5F8D-2FE08E6C7FCB}"/>
-                </a:ext>
-              </a:extLst>
-            </p:cNvPr>
-            <p:cNvPicPr>
-              <a:picLocks noChangeAspect="1"/>
-            </p:cNvPicPr>
-            <p:nvPr/>
-          </p:nvPicPr>
-          <p:blipFill>
-            <a:blip r:embed="rId5"/>
-            <a:stretch>
-              <a:fillRect/>
-            </a:stretch>
-          </p:blipFill>
-          <p:spPr>
-            <a:xfrm rot="16200000">
-              <a:off x="3026884" y="2503601"/>
-              <a:ext cx="230880" cy="3389373"/>
-            </a:xfrm>
-            <a:prstGeom prst="rect">
-              <a:avLst/>
-            </a:prstGeom>
-          </p:spPr>
-        </p:pic>
-        <p:sp>
-          <p:nvSpPr>
-            <p:cNvPr id="3" name="TextBox 2">
-              <a:extLst>
-                <a:ext uri="{FF2B5EF4-FFF2-40B4-BE49-F238E27FC236}">
-                  <a16:creationId xmlns:a16="http://schemas.microsoft.com/office/drawing/2014/main" id="{3AF7F117-0FCB-F08F-BA94-EA426EA4950D}"/>
-                </a:ext>
-              </a:extLst>
-            </p:cNvPr>
-            <p:cNvSpPr txBox="1"/>
-            <p:nvPr/>
-          </p:nvSpPr>
-          <p:spPr>
-            <a:xfrm>
-              <a:off x="4237703" y="6258093"/>
-              <a:ext cx="1307794" cy="369332"/>
-            </a:xfrm>
-            <a:prstGeom prst="rect">
-              <a:avLst/>
-            </a:prstGeom>
-            <a:solidFill>
-              <a:srgbClr val="FFC000"/>
-            </a:solidFill>
-          </p:spPr>
-          <p:txBody>
-            <a:bodyPr wrap="none" rtlCol="0">
-              <a:spAutoFit/>
-            </a:bodyPr>
-            <a:lstStyle/>
-            <a:p>
-              <a:r>
-                <a:rPr lang="en-US" dirty="0"/>
-                <a:t>DS3231 RTC</a:t>
-              </a:r>
-              <a:endParaRPr lang="en-SG" dirty="0"/>
-            </a:p>
-          </p:txBody>
-        </p:sp>
-        <p:sp>
-          <p:nvSpPr>
-            <p:cNvPr id="6" name="TextBox 5">
-              <a:extLst>
-                <a:ext uri="{FF2B5EF4-FFF2-40B4-BE49-F238E27FC236}">
-                  <a16:creationId xmlns:a16="http://schemas.microsoft.com/office/drawing/2014/main" id="{DBE11CF0-09B3-08BF-CED6-A385659A5E86}"/>
-                </a:ext>
-              </a:extLst>
-            </p:cNvPr>
-            <p:cNvSpPr txBox="1"/>
-            <p:nvPr/>
-          </p:nvSpPr>
-          <p:spPr>
-            <a:xfrm>
-              <a:off x="7580775" y="5338206"/>
-              <a:ext cx="1573316" cy="369332"/>
-            </a:xfrm>
-            <a:prstGeom prst="rect">
-              <a:avLst/>
-            </a:prstGeom>
-            <a:solidFill>
-              <a:srgbClr val="FFC000"/>
-            </a:solidFill>
-          </p:spPr>
-          <p:txBody>
-            <a:bodyPr wrap="none" rtlCol="0">
-              <a:spAutoFit/>
-            </a:bodyPr>
-            <a:lstStyle/>
-            <a:p>
-              <a:r>
-                <a:rPr lang="en-US" dirty="0"/>
-                <a:t>SD Card Writer</a:t>
-              </a:r>
-              <a:endParaRPr lang="en-SG" dirty="0"/>
-            </a:p>
-          </p:txBody>
-        </p:sp>
-        <p:pic>
-          <p:nvPicPr>
-            <p:cNvPr id="13" name="Picture 12">
-              <a:extLst>
-                <a:ext uri="{FF2B5EF4-FFF2-40B4-BE49-F238E27FC236}">
-                  <a16:creationId xmlns:a16="http://schemas.microsoft.com/office/drawing/2014/main" id="{A07DFC81-ACD7-6B3D-5992-B2EDE2390DCC}"/>
+                  <a16:creationId xmlns:a16="http://schemas.microsoft.com/office/drawing/2014/main" id="{77F8F09B-95FE-2CD6-4218-A5CB842EE906}"/>
                 </a:ext>
               </a:extLst>
             </p:cNvPr>
@@ -3607,51 +3664,18 @@
           </p:blipFill>
           <p:spPr>
             <a:xfrm>
-              <a:off x="6086272" y="2849191"/>
-              <a:ext cx="714375" cy="361950"/>
+              <a:off x="3006432" y="4701878"/>
+              <a:ext cx="997397" cy="523875"/>
             </a:xfrm>
             <a:prstGeom prst="rect">
               <a:avLst/>
             </a:prstGeom>
+            <a:solidFill>
+              <a:srgbClr val="FFC000"/>
+            </a:solidFill>
           </p:spPr>
         </p:pic>
       </p:grpSp>
-      <p:sp>
-        <p:nvSpPr>
-          <p:cNvPr id="14" name="TextBox 13">
-            <a:extLst>
-              <a:ext uri="{FF2B5EF4-FFF2-40B4-BE49-F238E27FC236}">
-                <a16:creationId xmlns:a16="http://schemas.microsoft.com/office/drawing/2014/main" id="{63869554-9AF3-F23A-5C72-E1581BC8E6A3}"/>
-              </a:ext>
-            </a:extLst>
-          </p:cNvPr>
-          <p:cNvSpPr txBox="1"/>
-          <p:nvPr/>
-        </p:nvSpPr>
-        <p:spPr>
-          <a:xfrm>
-            <a:off x="1054753" y="781130"/>
-            <a:ext cx="4701928" cy="369332"/>
-          </a:xfrm>
-          <a:prstGeom prst="rect">
-            <a:avLst/>
-          </a:prstGeom>
-          <a:noFill/>
-        </p:spPr>
-        <p:txBody>
-          <a:bodyPr wrap="none" rtlCol="0">
-            <a:spAutoFit/>
-          </a:bodyPr>
-          <a:lstStyle/>
-          <a:p>
-            <a:r>
-              <a:rPr lang="en-US" b="1" dirty="0"/>
-              <a:t>DATE TIME AND DATA LOGGING PRESENTATION</a:t>
-            </a:r>
-            <a:endParaRPr lang="en-SG" b="1" dirty="0"/>
-          </a:p>
-        </p:txBody>
-      </p:sp>
     </p:spTree>
     <p:extLst>
       <p:ext uri="{BB962C8B-B14F-4D97-AF65-F5344CB8AC3E}">
@@ -7231,6 +7255,97 @@
                       </p:childTnLst>
                     </p:cTn>
                   </p:par>
+                  <p:par>
+                    <p:cTn id="9" fill="hold">
+                      <p:stCondLst>
+                        <p:cond delay="indefinite"/>
+                      </p:stCondLst>
+                      <p:childTnLst>
+                        <p:par>
+                          <p:cTn id="10" fill="hold">
+                            <p:stCondLst>
+                              <p:cond delay="0"/>
+                            </p:stCondLst>
+                            <p:childTnLst>
+                              <p:par>
+                                <p:cTn id="11" presetID="2" presetClass="entr" presetSubtype="4" fill="hold" nodeType="clickEffect">
+                                  <p:stCondLst>
+                                    <p:cond delay="0"/>
+                                  </p:stCondLst>
+                                  <p:childTnLst>
+                                    <p:set>
+                                      <p:cBhvr>
+                                        <p:cTn id="12" dur="1" fill="hold">
+                                          <p:stCondLst>
+                                            <p:cond delay="0"/>
+                                          </p:stCondLst>
+                                        </p:cTn>
+                                        <p:tgtEl>
+                                          <p:spTgt spid="6"/>
+                                        </p:tgtEl>
+                                        <p:attrNameLst>
+                                          <p:attrName>style.visibility</p:attrName>
+                                        </p:attrNameLst>
+                                      </p:cBhvr>
+                                      <p:to>
+                                        <p:strVal val="visible"/>
+                                      </p:to>
+                                    </p:set>
+                                    <p:anim calcmode="lin" valueType="num">
+                                      <p:cBhvr additive="base">
+                                        <p:cTn id="13" dur="500" fill="hold"/>
+                                        <p:tgtEl>
+                                          <p:spTgt spid="6"/>
+                                        </p:tgtEl>
+                                        <p:attrNameLst>
+                                          <p:attrName>ppt_x</p:attrName>
+                                        </p:attrNameLst>
+                                      </p:cBhvr>
+                                      <p:tavLst>
+                                        <p:tav tm="0">
+                                          <p:val>
+                                            <p:strVal val="#ppt_x"/>
+                                          </p:val>
+                                        </p:tav>
+                                        <p:tav tm="100000">
+                                          <p:val>
+                                            <p:strVal val="#ppt_x"/>
+                                          </p:val>
+                                        </p:tav>
+                                      </p:tavLst>
+                                    </p:anim>
+                                    <p:anim calcmode="lin" valueType="num">
+                                      <p:cBhvr additive="base">
+                                        <p:cTn id="14" dur="500" fill="hold"/>
+                                        <p:tgtEl>
+                                          <p:spTgt spid="6"/>
+                                        </p:tgtEl>
+                                        <p:attrNameLst>
+                                          <p:attrName>ppt_y</p:attrName>
+                                        </p:attrNameLst>
+                                      </p:cBhvr>
+                                      <p:tavLst>
+                                        <p:tav tm="0">
+                                          <p:val>
+                                            <p:strVal val="1+#ppt_h/2"/>
+                                          </p:val>
+                                        </p:tav>
+                                        <p:tav tm="100000">
+                                          <p:val>
+                                            <p:strVal val="#ppt_y"/>
+                                          </p:val>
+                                        </p:tav>
+                                      </p:tavLst>
+                                    </p:anim>
+                                  </p:childTnLst>
+                                </p:cTn>
+                              </p:par>
+                            </p:childTnLst>
+                          </p:cTn>
+                        </p:par>
+                      </p:childTnLst>
+                    </p:cTn>
+                  </p:par>
                 </p:childTnLst>
               </p:cTn>
               <p:prevCondLst>
@@ -9587,6 +9702,218 @@
   <p:clrMapOvr>
     <a:masterClrMapping/>
   </p:clrMapOvr>
+  <p:timing>
+    <p:tnLst>
+      <p:par>
+        <p:cTn id="1" dur="indefinite" restart="never" nodeType="tmRoot">
+          <p:childTnLst>
+            <p:seq concurrent="1" nextAc="seek">
+              <p:cTn id="2" dur="indefinite" nodeType="mainSeq">
+                <p:childTnLst>
+                  <p:par>
+                    <p:cTn id="3" fill="hold">
+                      <p:stCondLst>
+                        <p:cond delay="indefinite"/>
+                      </p:stCondLst>
+                      <p:childTnLst>
+                        <p:par>
+                          <p:cTn id="4" fill="hold">
+                            <p:stCondLst>
+                              <p:cond delay="0"/>
+                            </p:stCondLst>
+                            <p:childTnLst>
+                              <p:par>
+                                <p:cTn id="5" presetID="2" presetClass="entr" presetSubtype="4" fill="hold" nodeType="clickEffect">
+                                  <p:stCondLst>
+                                    <p:cond delay="0"/>
+                                  </p:stCondLst>
+                                  <p:childTnLst>
+                                    <p:set>
+                                      <p:cBhvr>
+                                        <p:cTn id="6" dur="1" fill="hold">
+                                          <p:stCondLst>
+                                            <p:cond delay="0"/>
+                                          </p:stCondLst>
+                                        </p:cTn>
+                                        <p:tgtEl>
+                                          <p:spTgt spid="3"/>
+                                        </p:tgtEl>
+                                        <p:attrNameLst>
+                                          <p:attrName>style.visibility</p:attrName>
+                                        </p:attrNameLst>
+                                      </p:cBhvr>
+                                      <p:to>
+                                        <p:strVal val="visible"/>
+                                      </p:to>
+                                    </p:set>
+                                    <p:anim calcmode="lin" valueType="num">
+                                      <p:cBhvr additive="base">
+                                        <p:cTn id="7" dur="500" fill="hold"/>
+                                        <p:tgtEl>
+                                          <p:spTgt spid="3"/>
+                                        </p:tgtEl>
+                                        <p:attrNameLst>
+                                          <p:attrName>ppt_x</p:attrName>
+                                        </p:attrNameLst>
+                                      </p:cBhvr>
+                                      <p:tavLst>
+                                        <p:tav tm="0">
+                                          <p:val>
+                                            <p:strVal val="#ppt_x"/>
+                                          </p:val>
+                                        </p:tav>
+                                        <p:tav tm="100000">
+                                          <p:val>
+                                            <p:strVal val="#ppt_x"/>
+                                          </p:val>
+                                        </p:tav>
+                                      </p:tavLst>
+                                    </p:anim>
+                                    <p:anim calcmode="lin" valueType="num">
+                                      <p:cBhvr additive="base">
+                                        <p:cTn id="8" dur="500" fill="hold"/>
+                                        <p:tgtEl>
+                                          <p:spTgt spid="3"/>
+                                        </p:tgtEl>
+                                        <p:attrNameLst>
+                                          <p:attrName>ppt_y</p:attrName>
+                                        </p:attrNameLst>
+                                      </p:cBhvr>
+                                      <p:tavLst>
+                                        <p:tav tm="0">
+                                          <p:val>
+                                            <p:strVal val="1+#ppt_h/2"/>
+                                          </p:val>
+                                        </p:tav>
+                                        <p:tav tm="100000">
+                                          <p:val>
+                                            <p:strVal val="#ppt_y"/>
+                                          </p:val>
+                                        </p:tav>
+                                      </p:tavLst>
+                                    </p:anim>
+                                  </p:childTnLst>
+                                </p:cTn>
+                              </p:par>
+                            </p:childTnLst>
+                          </p:cTn>
+                        </p:par>
+                      </p:childTnLst>
+                    </p:cTn>
+                  </p:par>
+                  <p:par>
+                    <p:cTn id="9" fill="hold">
+                      <p:stCondLst>
+                        <p:cond delay="indefinite"/>
+                      </p:stCondLst>
+                      <p:childTnLst>
+                        <p:par>
+                          <p:cTn id="10" fill="hold">
+                            <p:stCondLst>
+                              <p:cond delay="0"/>
+                            </p:stCondLst>
+                            <p:childTnLst>
+                              <p:par>
+                                <p:cTn id="11" presetID="2" presetClass="entr" presetSubtype="4" fill="hold" nodeType="clickEffect">
+                                  <p:stCondLst>
+                                    <p:cond delay="0"/>
+                                  </p:stCondLst>
+                                  <p:childTnLst>
+                                    <p:set>
+                                      <p:cBhvr>
+                                        <p:cTn id="12" dur="1" fill="hold">
+                                          <p:stCondLst>
+                                            <p:cond delay="0"/>
+                                          </p:stCondLst>
+                                        </p:cTn>
+                                        <p:tgtEl>
+                                          <p:spTgt spid="5"/>
+                                        </p:tgtEl>
+                                        <p:attrNameLst>
+                                          <p:attrName>style.visibility</p:attrName>
+                                        </p:attrNameLst>
+                                      </p:cBhvr>
+                                      <p:to>
+                                        <p:strVal val="visible"/>
+                                      </p:to>
+                                    </p:set>
+                                    <p:anim calcmode="lin" valueType="num">
+                                      <p:cBhvr additive="base">
+                                        <p:cTn id="13" dur="500" fill="hold"/>
+                                        <p:tgtEl>
+                                          <p:spTgt spid="5"/>
+                                        </p:tgtEl>
+                                        <p:attrNameLst>
+                                          <p:attrName>ppt_x</p:attrName>
+                                        </p:attrNameLst>
+                                      </p:cBhvr>
+                                      <p:tavLst>
+                                        <p:tav tm="0">
+                                          <p:val>
+                                            <p:strVal val="#ppt_x"/>
+                                          </p:val>
+                                        </p:tav>
+                                        <p:tav tm="100000">
+                                          <p:val>
+                                            <p:strVal val="#ppt_x"/>
+                                          </p:val>
+                                        </p:tav>
+                                      </p:tavLst>
+                                    </p:anim>
+                                    <p:anim calcmode="lin" valueType="num">
+                                      <p:cBhvr additive="base">
+                                        <p:cTn id="14" dur="500" fill="hold"/>
+                                        <p:tgtEl>
+                                          <p:spTgt spid="5"/>
+                                        </p:tgtEl>
+                                        <p:attrNameLst>
+                                          <p:attrName>ppt_y</p:attrName>
+                                        </p:attrNameLst>
+                                      </p:cBhvr>
+                                      <p:tavLst>
+                                        <p:tav tm="0">
+                                          <p:val>
+                                            <p:strVal val="1+#ppt_h/2"/>
+                                          </p:val>
+                                        </p:tav>
+                                        <p:tav tm="100000">
+                                          <p:val>
+                                            <p:strVal val="#ppt_y"/>
+                                          </p:val>
+                                        </p:tav>
+                                      </p:tavLst>
+                                    </p:anim>
+                                  </p:childTnLst>
+                                </p:cTn>
+                              </p:par>
+                            </p:childTnLst>
+                          </p:cTn>
+                        </p:par>
+                      </p:childTnLst>
+                    </p:cTn>
+                  </p:par>
+                </p:childTnLst>
+              </p:cTn>
+              <p:prevCondLst>
+                <p:cond evt="onPrev" delay="0">
+                  <p:tgtEl>
+                    <p:sldTgt/>
+                  </p:tgtEl>
+                </p:cond>
+              </p:prevCondLst>
+              <p:nextCondLst>
+                <p:cond evt="onNext" delay="0">
+                  <p:tgtEl>
+                    <p:sldTgt/>
+                  </p:tgtEl>
+                </p:cond>
+              </p:nextCondLst>
+            </p:seq>
+          </p:childTnLst>
+        </p:cTn>
+      </p:par>
+    </p:tnLst>
+  </p:timing>
 </p:sld>
 </file>
 
@@ -9750,7 +10077,7 @@
                             </p:stCondLst>
                             <p:childTnLst>
                               <p:par>
-                                <p:cTn id="5" presetID="2" presetClass="entr" presetSubtype="4" fill="hold" grpId="0" nodeType="clickEffect">
+                                <p:cTn id="5" presetID="2" presetClass="entr" presetSubtype="4" fill="hold" nodeType="clickEffect">
                                   <p:stCondLst>
                                     <p:cond delay="0"/>
                                   </p:stCondLst>
@@ -9758,6 +10085,97 @@
                                     <p:set>
                                       <p:cBhvr>
                                         <p:cTn id="6" dur="1" fill="hold">
+                                          <p:stCondLst>
+                                            <p:cond delay="0"/>
+                                          </p:stCondLst>
+                                        </p:cTn>
+                                        <p:tgtEl>
+                                          <p:spTgt spid="3"/>
+                                        </p:tgtEl>
+                                        <p:attrNameLst>
+                                          <p:attrName>style.visibility</p:attrName>
+                                        </p:attrNameLst>
+                                      </p:cBhvr>
+                                      <p:to>
+                                        <p:strVal val="visible"/>
+                                      </p:to>
+                                    </p:set>
+                                    <p:anim calcmode="lin" valueType="num">
+                                      <p:cBhvr additive="base">
+                                        <p:cTn id="7" dur="500" fill="hold"/>
+                                        <p:tgtEl>
+                                          <p:spTgt spid="3"/>
+                                        </p:tgtEl>
+                                        <p:attrNameLst>
+                                          <p:attrName>ppt_x</p:attrName>
+                                        </p:attrNameLst>
+                                      </p:cBhvr>
+                                      <p:tavLst>
+                                        <p:tav tm="0">
+                                          <p:val>
+                                            <p:strVal val="#ppt_x"/>
+                                          </p:val>
+                                        </p:tav>
+                                        <p:tav tm="100000">
+                                          <p:val>
+                                            <p:strVal val="#ppt_x"/>
+                                          </p:val>
+                                        </p:tav>
+                                      </p:tavLst>
+                                    </p:anim>
+                                    <p:anim calcmode="lin" valueType="num">
+                                      <p:cBhvr additive="base">
+                                        <p:cTn id="8" dur="500" fill="hold"/>
+                                        <p:tgtEl>
+                                          <p:spTgt spid="3"/>
+                                        </p:tgtEl>
+                                        <p:attrNameLst>
+                                          <p:attrName>ppt_y</p:attrName>
+                                        </p:attrNameLst>
+                                      </p:cBhvr>
+                                      <p:tavLst>
+                                        <p:tav tm="0">
+                                          <p:val>
+                                            <p:strVal val="1+#ppt_h/2"/>
+                                          </p:val>
+                                        </p:tav>
+                                        <p:tav tm="100000">
+                                          <p:val>
+                                            <p:strVal val="#ppt_y"/>
+                                          </p:val>
+                                        </p:tav>
+                                      </p:tavLst>
+                                    </p:anim>
+                                  </p:childTnLst>
+                                </p:cTn>
+                              </p:par>
+                            </p:childTnLst>
+                          </p:cTn>
+                        </p:par>
+                      </p:childTnLst>
+                    </p:cTn>
+                  </p:par>
+                  <p:par>
+                    <p:cTn id="9" fill="hold">
+                      <p:stCondLst>
+                        <p:cond delay="indefinite"/>
+                      </p:stCondLst>
+                      <p:childTnLst>
+                        <p:par>
+                          <p:cTn id="10" fill="hold">
+                            <p:stCondLst>
+                              <p:cond delay="0"/>
+                            </p:stCondLst>
+                            <p:childTnLst>
+                              <p:par>
+                                <p:cTn id="11" presetID="2" presetClass="entr" presetSubtype="4" fill="hold" grpId="0" nodeType="clickEffect">
+                                  <p:stCondLst>
+                                    <p:cond delay="0"/>
+                                  </p:stCondLst>
+                                  <p:childTnLst>
+                                    <p:set>
+                                      <p:cBhvr>
+                                        <p:cTn id="12" dur="1" fill="hold">
                                           <p:stCondLst>
                                             <p:cond delay="0"/>
                                           </p:stCondLst>
@@ -9775,7 +10193,7 @@
                                     </p:set>
                                     <p:anim calcmode="lin" valueType="num">
                                       <p:cBhvr additive="base">
-                                        <p:cTn id="7" dur="500" fill="hold"/>
+                                        <p:cTn id="13" dur="500" fill="hold"/>
                                         <p:tgtEl>
                                           <p:spTgt spid="4"/>
                                         </p:tgtEl>
@@ -9798,7 +10216,7 @@
                                     </p:anim>
                                     <p:anim calcmode="lin" valueType="num">
                                       <p:cBhvr additive="base">
-                                        <p:cTn id="8" dur="500" fill="hold"/>
+                                        <p:cTn id="14" dur="500" fill="hold"/>
                                         <p:tgtEl>
                                           <p:spTgt spid="4"/>
                                         </p:tgtEl>
